--- a/Documents/Detailed Report.pptx
+++ b/Documents/Detailed Report.pptx
@@ -343,7 +343,7 @@
             <a:fld id="{B61BEF0D-F0BB-DE4B-95CE-6DB70DBA9567}" type="datetimeFigureOut">
               <a:rPr lang="en-US" dirty="0"/>
               <a:pPr/>
-              <a:t>4/2/2023</a:t>
+              <a:t>4/4/2023</a:t>
             </a:fld>
             <a:endParaRPr lang="en-US" dirty="0"/>
           </a:p>
@@ -631,7 +631,7 @@
             <a:fld id="{B61BEF0D-F0BB-DE4B-95CE-6DB70DBA9567}" type="datetimeFigureOut">
               <a:rPr lang="en-US" dirty="0"/>
               <a:pPr/>
-              <a:t>4/2/2023</a:t>
+              <a:t>4/4/2023</a:t>
             </a:fld>
             <a:endParaRPr lang="en-US" dirty="0"/>
           </a:p>
@@ -887,7 +887,7 @@
             <a:fld id="{B61BEF0D-F0BB-DE4B-95CE-6DB70DBA9567}" type="datetimeFigureOut">
               <a:rPr lang="en-US" dirty="0"/>
               <a:pPr/>
-              <a:t>4/2/2023</a:t>
+              <a:t>4/4/2023</a:t>
             </a:fld>
             <a:endParaRPr lang="en-US" dirty="0"/>
           </a:p>
@@ -1353,7 +1353,7 @@
             <a:fld id="{B61BEF0D-F0BB-DE4B-95CE-6DB70DBA9567}" type="datetimeFigureOut">
               <a:rPr lang="en-US" dirty="0"/>
               <a:pPr/>
-              <a:t>4/2/2023</a:t>
+              <a:t>4/4/2023</a:t>
             </a:fld>
             <a:endParaRPr lang="en-US" dirty="0"/>
           </a:p>
@@ -1530,7 +1530,7 @@
             <a:fld id="{B61BEF0D-F0BB-DE4B-95CE-6DB70DBA9567}" type="datetimeFigureOut">
               <a:rPr lang="en-US" dirty="0"/>
               <a:pPr/>
-              <a:t>4/2/2023</a:t>
+              <a:t>4/4/2023</a:t>
             </a:fld>
             <a:endParaRPr lang="en-US" dirty="0"/>
           </a:p>
@@ -2103,7 +2103,7 @@
             <a:fld id="{B61BEF0D-F0BB-DE4B-95CE-6DB70DBA9567}" type="datetimeFigureOut">
               <a:rPr lang="en-US" dirty="0"/>
               <a:pPr/>
-              <a:t>4/2/2023</a:t>
+              <a:t>4/4/2023</a:t>
             </a:fld>
             <a:endParaRPr lang="en-US" dirty="0"/>
           </a:p>
@@ -2432,7 +2432,7 @@
             <a:fld id="{B61BEF0D-F0BB-DE4B-95CE-6DB70DBA9567}" type="datetimeFigureOut">
               <a:rPr lang="en-US" dirty="0"/>
               <a:pPr/>
-              <a:t>4/2/2023</a:t>
+              <a:t>4/4/2023</a:t>
             </a:fld>
             <a:endParaRPr lang="en-US" dirty="0"/>
           </a:p>
@@ -2604,7 +2604,7 @@
             <a:fld id="{B61BEF0D-F0BB-DE4B-95CE-6DB70DBA9567}" type="datetimeFigureOut">
               <a:rPr lang="en-US" dirty="0"/>
               <a:pPr/>
-              <a:t>4/2/2023</a:t>
+              <a:t>4/4/2023</a:t>
             </a:fld>
             <a:endParaRPr lang="en-US" dirty="0"/>
           </a:p>
@@ -2781,7 +2781,7 @@
             <a:fld id="{B61BEF0D-F0BB-DE4B-95CE-6DB70DBA9567}" type="datetimeFigureOut">
               <a:rPr lang="en-US" dirty="0"/>
               <a:pPr/>
-              <a:t>4/2/2023</a:t>
+              <a:t>4/4/2023</a:t>
             </a:fld>
             <a:endParaRPr lang="en-US" dirty="0"/>
           </a:p>
@@ -2948,7 +2948,7 @@
             <a:fld id="{B61BEF0D-F0BB-DE4B-95CE-6DB70DBA9567}" type="datetimeFigureOut">
               <a:rPr lang="en-US" dirty="0"/>
               <a:pPr/>
-              <a:t>4/2/2023</a:t>
+              <a:t>4/4/2023</a:t>
             </a:fld>
             <a:endParaRPr lang="en-US" dirty="0"/>
           </a:p>
@@ -3202,7 +3202,7 @@
             <a:fld id="{B61BEF0D-F0BB-DE4B-95CE-6DB70DBA9567}" type="datetimeFigureOut">
               <a:rPr lang="en-US" dirty="0"/>
               <a:pPr/>
-              <a:t>4/2/2023</a:t>
+              <a:t>4/4/2023</a:t>
             </a:fld>
             <a:endParaRPr lang="en-US" dirty="0"/>
           </a:p>
@@ -3491,7 +3491,7 @@
             <a:fld id="{B61BEF0D-F0BB-DE4B-95CE-6DB70DBA9567}" type="datetimeFigureOut">
               <a:rPr lang="en-US" dirty="0"/>
               <a:pPr/>
-              <a:t>4/2/2023</a:t>
+              <a:t>4/4/2023</a:t>
             </a:fld>
             <a:endParaRPr lang="en-US" dirty="0"/>
           </a:p>
@@ -3918,7 +3918,7 @@
             <a:fld id="{B61BEF0D-F0BB-DE4B-95CE-6DB70DBA9567}" type="datetimeFigureOut">
               <a:rPr lang="en-US" dirty="0"/>
               <a:pPr/>
-              <a:t>4/2/2023</a:t>
+              <a:t>4/4/2023</a:t>
             </a:fld>
             <a:endParaRPr lang="en-US" dirty="0"/>
           </a:p>
@@ -4033,7 +4033,7 @@
             <a:fld id="{B61BEF0D-F0BB-DE4B-95CE-6DB70DBA9567}" type="datetimeFigureOut">
               <a:rPr lang="en-US" dirty="0"/>
               <a:pPr/>
-              <a:t>4/2/2023</a:t>
+              <a:t>4/4/2023</a:t>
             </a:fld>
             <a:endParaRPr lang="en-US" dirty="0"/>
           </a:p>
@@ -4125,7 +4125,7 @@
             <a:fld id="{B61BEF0D-F0BB-DE4B-95CE-6DB70DBA9567}" type="datetimeFigureOut">
               <a:rPr lang="en-US" dirty="0"/>
               <a:pPr/>
-              <a:t>4/2/2023</a:t>
+              <a:t>4/4/2023</a:t>
             </a:fld>
             <a:endParaRPr lang="en-US" dirty="0"/>
           </a:p>
@@ -4405,7 +4405,7 @@
             <a:fld id="{B61BEF0D-F0BB-DE4B-95CE-6DB70DBA9567}" type="datetimeFigureOut">
               <a:rPr lang="en-US" dirty="0"/>
               <a:pPr/>
-              <a:t>4/2/2023</a:t>
+              <a:t>4/4/2023</a:t>
             </a:fld>
             <a:endParaRPr lang="en-US" dirty="0"/>
           </a:p>
@@ -4693,7 +4693,7 @@
             <a:fld id="{B61BEF0D-F0BB-DE4B-95CE-6DB70DBA9567}" type="datetimeFigureOut">
               <a:rPr lang="en-US" dirty="0"/>
               <a:pPr/>
-              <a:t>4/2/2023</a:t>
+              <a:t>4/4/2023</a:t>
             </a:fld>
             <a:endParaRPr lang="en-US" dirty="0"/>
           </a:p>
@@ -4921,7 +4921,7 @@
             <a:fld id="{B61BEF0D-F0BB-DE4B-95CE-6DB70DBA9567}" type="datetimeFigureOut">
               <a:rPr lang="en-US" dirty="0"/>
               <a:pPr/>
-              <a:t>4/2/2023</a:t>
+              <a:t>4/4/2023</a:t>
             </a:fld>
             <a:endParaRPr lang="en-US" dirty="0"/>
           </a:p>
@@ -5691,7 +5691,7 @@
           <p:cNvPr id="2" name="Title 1">
             <a:extLst>
               <a:ext uri="{FF2B5EF4-FFF2-40B4-BE49-F238E27FC236}">
-                <a16:creationId xmlns:a16="http://schemas.microsoft.com/office/drawing/2014/main" xmlns="" id="{79B82D79-4544-4ACA-8728-F5F3CC809F73}"/>
+                <a16:creationId xmlns="" xmlns:a16="http://schemas.microsoft.com/office/drawing/2014/main" id="{79B82D79-4544-4ACA-8728-F5F3CC809F73}"/>
               </a:ext>
             </a:extLst>
           </p:cNvPr>
@@ -5719,7 +5719,7 @@
           <p:cNvPr id="3" name="Subtitle 2">
             <a:extLst>
               <a:ext uri="{FF2B5EF4-FFF2-40B4-BE49-F238E27FC236}">
-                <a16:creationId xmlns:a16="http://schemas.microsoft.com/office/drawing/2014/main" xmlns="" id="{2A727D60-418F-4096-A0D2-98F332189FC5}"/>
+                <a16:creationId xmlns="" xmlns:a16="http://schemas.microsoft.com/office/drawing/2014/main" id="{2A727D60-418F-4096-A0D2-98F332189FC5}"/>
               </a:ext>
             </a:extLst>
           </p:cNvPr>
@@ -5778,7 +5778,7 @@
           <p:cNvPr id="2" name="TextBox 1">
             <a:extLst>
               <a:ext uri="{FF2B5EF4-FFF2-40B4-BE49-F238E27FC236}">
-                <a16:creationId xmlns:a16="http://schemas.microsoft.com/office/drawing/2014/main" xmlns="" id="{7DFBEC69-03FF-4E93-9846-B4C80827331C}"/>
+                <a16:creationId xmlns="" xmlns:a16="http://schemas.microsoft.com/office/drawing/2014/main" id="{7DFBEC69-03FF-4E93-9846-B4C80827331C}"/>
               </a:ext>
             </a:extLst>
           </p:cNvPr>
@@ -5940,18 +5940,46 @@
               <a:t> Regressor. We used </a:t>
             </a:r>
             <a:r>
-              <a:rPr lang="en-US" dirty="0" err="1">
+              <a:rPr lang="en-US" dirty="0" smtClean="0">
                 <a:ea typeface="+mn-lt"/>
                 <a:cs typeface="+mn-lt"/>
               </a:rPr>
-              <a:t>optuna</a:t>
+              <a:t>Grid </a:t>
+            </a:r>
+            <a:r>
+              <a:rPr lang="en-US" dirty="0" err="1" smtClean="0">
+                <a:ea typeface="+mn-lt"/>
+                <a:cs typeface="+mn-lt"/>
+              </a:rPr>
+              <a:t>Sesrch</a:t>
+            </a:r>
+            <a:r>
+              <a:rPr lang="en-US" dirty="0" smtClean="0">
+                <a:ea typeface="+mn-lt"/>
+                <a:cs typeface="+mn-lt"/>
+              </a:rPr>
+              <a:t> </a:t>
+            </a:r>
+            <a:r>
+              <a:rPr lang="en-US" dirty="0" err="1" smtClean="0">
+                <a:ea typeface="+mn-lt"/>
+                <a:cs typeface="+mn-lt"/>
+              </a:rPr>
+              <a:t>Cv</a:t>
+            </a:r>
+            <a:r>
+              <a:rPr lang="en-US" dirty="0" smtClean="0">
+                <a:ea typeface="+mn-lt"/>
+                <a:cs typeface="+mn-lt"/>
+              </a:rPr>
+              <a:t> </a:t>
             </a:r>
             <a:r>
               <a:rPr lang="en-US" dirty="0">
                 <a:ea typeface="+mn-lt"/>
                 <a:cs typeface="+mn-lt"/>
               </a:rPr>
-              <a:t> for </a:t>
+              <a:t>for </a:t>
             </a:r>
             <a:r>
               <a:rPr lang="en-US" dirty="0" err="1">
@@ -6033,7 +6061,7 @@
           <p:cNvPr id="2" name="TextBox 1">
             <a:extLst>
               <a:ext uri="{FF2B5EF4-FFF2-40B4-BE49-F238E27FC236}">
-                <a16:creationId xmlns:a16="http://schemas.microsoft.com/office/drawing/2014/main" xmlns="" id="{09FCAAC7-998C-4B9E-8011-A3E819B40406}"/>
+                <a16:creationId xmlns="" xmlns:a16="http://schemas.microsoft.com/office/drawing/2014/main" id="{09FCAAC7-998C-4B9E-8011-A3E819B40406}"/>
               </a:ext>
             </a:extLst>
           </p:cNvPr>
@@ -6078,11 +6106,7 @@
             </a:r>
             <a:r>
               <a:rPr lang="en-IN" dirty="0" smtClean="0"/>
-              <a:t>Stores Sales</a:t>
-            </a:r>
-            <a:r>
-              <a:rPr lang="en-IN" dirty="0" smtClean="0"/>
-              <a:t> </a:t>
+              <a:t>Stores Sales </a:t>
             </a:r>
             <a:r>
               <a:rPr lang="en-IN" dirty="0"/>
@@ -6180,7 +6204,7 @@
           <p:cNvPr id="2" name="TextBox 1">
             <a:extLst>
               <a:ext uri="{FF2B5EF4-FFF2-40B4-BE49-F238E27FC236}">
-                <a16:creationId xmlns:a16="http://schemas.microsoft.com/office/drawing/2014/main" xmlns="" id="{6738ABAD-FBE3-4EAE-A958-9800D1B24B93}"/>
+                <a16:creationId xmlns="" xmlns:a16="http://schemas.microsoft.com/office/drawing/2014/main" id="{6738ABAD-FBE3-4EAE-A958-9800D1B24B93}"/>
               </a:ext>
             </a:extLst>
           </p:cNvPr>
@@ -6297,7 +6321,7 @@
           <p:cNvPr id="2" name="TextBox 1">
             <a:extLst>
               <a:ext uri="{FF2B5EF4-FFF2-40B4-BE49-F238E27FC236}">
-                <a16:creationId xmlns:a16="http://schemas.microsoft.com/office/drawing/2014/main" xmlns="" id="{4FB149FD-E940-44A7-BCAE-A488E11B1AD9}"/>
+                <a16:creationId xmlns="" xmlns:a16="http://schemas.microsoft.com/office/drawing/2014/main" id="{4FB149FD-E940-44A7-BCAE-A488E11B1AD9}"/>
               </a:ext>
             </a:extLst>
           </p:cNvPr>
@@ -6437,7 +6461,7 @@
           <p:cNvPr id="2" name="TextBox 1">
             <a:extLst>
               <a:ext uri="{FF2B5EF4-FFF2-40B4-BE49-F238E27FC236}">
-                <a16:creationId xmlns:a16="http://schemas.microsoft.com/office/drawing/2014/main" xmlns="" id="{DF36E02B-44E6-41FD-88CD-B675D4808986}"/>
+                <a16:creationId xmlns="" xmlns:a16="http://schemas.microsoft.com/office/drawing/2014/main" id="{DF36E02B-44E6-41FD-88CD-B675D4808986}"/>
               </a:ext>
             </a:extLst>
           </p:cNvPr>
@@ -6544,7 +6568,7 @@
           <p:cNvPr id="2" name="TextBox 1">
             <a:extLst>
               <a:ext uri="{FF2B5EF4-FFF2-40B4-BE49-F238E27FC236}">
-                <a16:creationId xmlns:a16="http://schemas.microsoft.com/office/drawing/2014/main" xmlns="" id="{65B1B6B5-8DF8-4922-A551-6F612C648E54}"/>
+                <a16:creationId xmlns="" xmlns:a16="http://schemas.microsoft.com/office/drawing/2014/main" id="{65B1B6B5-8DF8-4922-A551-6F612C648E54}"/>
               </a:ext>
             </a:extLst>
           </p:cNvPr>
@@ -6734,7 +6758,7 @@
           <p:cNvPr id="2" name="TextBox 1">
             <a:extLst>
               <a:ext uri="{FF2B5EF4-FFF2-40B4-BE49-F238E27FC236}">
-                <a16:creationId xmlns:a16="http://schemas.microsoft.com/office/drawing/2014/main" xmlns="" id="{1B3FCC7C-CA22-4BAC-A139-8E5FE8ADE75A}"/>
+                <a16:creationId xmlns="" xmlns:a16="http://schemas.microsoft.com/office/drawing/2014/main" id="{1B3FCC7C-CA22-4BAC-A139-8E5FE8ADE75A}"/>
               </a:ext>
             </a:extLst>
           </p:cNvPr>
@@ -6947,7 +6971,7 @@
           <p:cNvPr id="2" name="TextBox 1">
             <a:extLst>
               <a:ext uri="{FF2B5EF4-FFF2-40B4-BE49-F238E27FC236}">
-                <a16:creationId xmlns:a16="http://schemas.microsoft.com/office/drawing/2014/main" xmlns="" id="{095D95E7-C270-4B2B-818B-F2845FF45FFA}"/>
+                <a16:creationId xmlns="" xmlns:a16="http://schemas.microsoft.com/office/drawing/2014/main" id="{095D95E7-C270-4B2B-818B-F2845FF45FFA}"/>
               </a:ext>
             </a:extLst>
           </p:cNvPr>
@@ -6990,8 +7014,13 @@
           <a:p>
             <a:r>
               <a:rPr lang="en-IN" dirty="0" smtClean="0"/>
-              <a:t>The application is hosted on Microsoft Azure</a:t>
-            </a:r>
+              <a:t>The application is hosted on </a:t>
+            </a:r>
+            <a:r>
+              <a:rPr lang="en-IN" dirty="0" smtClean="0"/>
+              <a:t>AWS (Amazon Web Services)</a:t>
+            </a:r>
+            <a:endParaRPr lang="en-IN" dirty="0" smtClean="0"/>
           </a:p>
           <a:p>
             <a:endParaRPr lang="en-IN" dirty="0"/>
@@ -7033,7 +7062,7 @@
           <p:cNvPr id="2" name="TextBox 1">
             <a:extLst>
               <a:ext uri="{FF2B5EF4-FFF2-40B4-BE49-F238E27FC236}">
-                <a16:creationId xmlns:a16="http://schemas.microsoft.com/office/drawing/2014/main" xmlns="" id="{3FA0E1E3-D080-4E0C-BDB7-42CD21C54EAC}"/>
+                <a16:creationId xmlns="" xmlns:a16="http://schemas.microsoft.com/office/drawing/2014/main" id="{3FA0E1E3-D080-4E0C-BDB7-42CD21C54EAC}"/>
               </a:ext>
             </a:extLst>
           </p:cNvPr>
